--- a/plots/2021_02_09/Fig5_fit1_binomGLMM_B117_Belgium by lab.pptx
+++ b/plots/2021_02_09/Fig5_fit1_binomGLMM_B117_Belgium by lab.pptx
@@ -3800,6 +3800,9 @@
                     <a:pt x="0" y="697054"/>
                   </a:moveTo>
                   <a:lnTo>
+                    <a:pt x="0" y="697054"/>
+                  </a:lnTo>
+                  <a:lnTo>
                     <a:pt x="28137" y="685747"/>
                   </a:lnTo>
                   <a:lnTo>
@@ -4219,6 +4222,9 @@
                     <a:pt x="0" y="687161"/>
                   </a:moveTo>
                   <a:lnTo>
+                    <a:pt x="0" y="687161"/>
+                  </a:lnTo>
+                  <a:lnTo>
                     <a:pt x="28137" y="674984"/>
                   </a:lnTo>
                   <a:lnTo>
@@ -6267,6 +6273,9 @@
                     <a:pt x="0" y="700858"/>
                   </a:moveTo>
                   <a:lnTo>
+                    <a:pt x="0" y="700858"/>
+                  </a:lnTo>
+                  <a:lnTo>
                     <a:pt x="28137" y="689542"/>
                   </a:lnTo>
                   <a:lnTo>
@@ -6686,6 +6695,9 @@
                     <a:pt x="0" y="687448"/>
                   </a:moveTo>
                   <a:lnTo>
+                    <a:pt x="0" y="687448"/>
+                  </a:lnTo>
+                  <a:lnTo>
                     <a:pt x="28137" y="675259"/>
                   </a:lnTo>
                   <a:lnTo>
@@ -8824,6 +8836,9 @@
                   <a:lnTo>
                     <a:pt x="145272" y="736763"/>
                   </a:lnTo>
+                  <a:lnTo>
+                    <a:pt x="0" y="736763"/>
+                  </a:lnTo>
                   <a:close/>
                 </a:path>
               </a:pathLst>
@@ -8859,6 +8874,9 @@
                     <a:pt x="0" y="702667"/>
                   </a:moveTo>
                   <a:lnTo>
+                    <a:pt x="0" y="702667"/>
+                  </a:lnTo>
+                  <a:lnTo>
                     <a:pt x="28137" y="691182"/>
                   </a:lnTo>
                   <a:lnTo>
@@ -11410,6 +11428,9 @@
                     <a:pt x="0" y="701496"/>
                   </a:moveTo>
                   <a:lnTo>
+                    <a:pt x="0" y="701496"/>
+                  </a:lnTo>
+                  <a:lnTo>
                     <a:pt x="28137" y="690186"/>
                   </a:lnTo>
                   <a:lnTo>
@@ -11829,6 +11850,9 @@
                     <a:pt x="0" y="687173"/>
                   </a:moveTo>
                   <a:lnTo>
+                    <a:pt x="0" y="687173"/>
+                  </a:lnTo>
+                  <a:lnTo>
                     <a:pt x="28137" y="674995"/>
                   </a:lnTo>
                   <a:lnTo>
@@ -13982,6 +14006,9 @@
                     <a:pt x="0" y="700901"/>
                   </a:moveTo>
                   <a:lnTo>
+                    <a:pt x="0" y="700901"/>
+                  </a:lnTo>
+                  <a:lnTo>
                     <a:pt x="28137" y="689513"/>
                   </a:lnTo>
                   <a:lnTo>
@@ -14401,6 +14428,9 @@
                     <a:pt x="0" y="689747"/>
                   </a:moveTo>
                   <a:lnTo>
+                    <a:pt x="0" y="689747"/>
+                  </a:lnTo>
+                  <a:lnTo>
                     <a:pt x="28137" y="677507"/>
                   </a:lnTo>
                   <a:lnTo>
@@ -16589,6 +16619,9 @@
                     <a:pt x="0" y="702018"/>
                   </a:moveTo>
                   <a:lnTo>
+                    <a:pt x="0" y="702018"/>
+                  </a:lnTo>
+                  <a:lnTo>
                     <a:pt x="28137" y="690696"/>
                   </a:lnTo>
                   <a:lnTo>
@@ -17008,6 +17041,9 @@
                     <a:pt x="0" y="687388"/>
                   </a:moveTo>
                   <a:lnTo>
+                    <a:pt x="0" y="687388"/>
+                  </a:lnTo>
+                  <a:lnTo>
                     <a:pt x="28137" y="675201"/>
                   </a:lnTo>
                   <a:lnTo>
@@ -19161,6 +19197,9 @@
                     <a:pt x="0" y="699185"/>
                   </a:moveTo>
                   <a:lnTo>
+                    <a:pt x="0" y="699185"/>
+                  </a:lnTo>
+                  <a:lnTo>
                     <a:pt x="28137" y="687761"/>
                   </a:lnTo>
                   <a:lnTo>
@@ -19579,6 +19618,9 @@
                   <a:moveTo>
                     <a:pt x="0" y="691482"/>
                   </a:moveTo>
+                  <a:lnTo>
+                    <a:pt x="0" y="691482"/>
+                  </a:lnTo>
                   <a:lnTo>
                     <a:pt x="28137" y="679225"/>
                   </a:lnTo>
